--- a/Scrum Events A5.pptx
+++ b/Scrum Events A5.pptx
@@ -279,7 +279,7 @@
           <a:p>
             <a:fld id="{64D6C635-B507-3A47-A506-1F6352676DF0}" type="datetimeFigureOut">
               <a:rPr lang="en-NL" smtClean="0"/>
-              <a:t>22/10/2022</a:t>
+              <a:t>2/5/23</a:t>
             </a:fld>
             <a:endParaRPr lang="en-NL"/>
           </a:p>
@@ -438,7 +438,7 @@
           <a:p>
             <a:fld id="{8FB484A7-88DA-F541-AED5-26275B7C2014}" type="slidenum">
               <a:rPr lang="en-NL" smtClean="0"/>
-              <a:t>‹#›</a:t>
+              <a:t>‹nr.›</a:t>
             </a:fld>
             <a:endParaRPr lang="en-NL"/>
           </a:p>
@@ -2022,7 +2022,7 @@
           <a:p>
             <a:fld id="{C687B70A-7B5A-CD46-AB8A-22F48E5A62CC}" type="datetimeFigureOut">
               <a:rPr lang="en-NL" smtClean="0"/>
-              <a:t>22/10/2022</a:t>
+              <a:t>2/5/23</a:t>
             </a:fld>
             <a:endParaRPr lang="en-NL"/>
           </a:p>
@@ -2064,7 +2064,7 @@
           <a:p>
             <a:fld id="{7A1EAB66-1208-8D46-BBFC-E1405CD115F8}" type="slidenum">
               <a:rPr lang="en-NL" smtClean="0"/>
-              <a:t>‹#›</a:t>
+              <a:t>‹nr.›</a:t>
             </a:fld>
             <a:endParaRPr lang="en-NL"/>
           </a:p>
@@ -2192,7 +2192,7 @@
           <a:p>
             <a:fld id="{C687B70A-7B5A-CD46-AB8A-22F48E5A62CC}" type="datetimeFigureOut">
               <a:rPr lang="en-NL" smtClean="0"/>
-              <a:t>22/10/2022</a:t>
+              <a:t>2/5/23</a:t>
             </a:fld>
             <a:endParaRPr lang="en-NL"/>
           </a:p>
@@ -2234,7 +2234,7 @@
           <a:p>
             <a:fld id="{7A1EAB66-1208-8D46-BBFC-E1405CD115F8}" type="slidenum">
               <a:rPr lang="en-NL" smtClean="0"/>
-              <a:t>‹#›</a:t>
+              <a:t>‹nr.›</a:t>
             </a:fld>
             <a:endParaRPr lang="en-NL"/>
           </a:p>
@@ -2372,7 +2372,7 @@
           <a:p>
             <a:fld id="{C687B70A-7B5A-CD46-AB8A-22F48E5A62CC}" type="datetimeFigureOut">
               <a:rPr lang="en-NL" smtClean="0"/>
-              <a:t>22/10/2022</a:t>
+              <a:t>2/5/23</a:t>
             </a:fld>
             <a:endParaRPr lang="en-NL"/>
           </a:p>
@@ -2414,7 +2414,7 @@
           <a:p>
             <a:fld id="{7A1EAB66-1208-8D46-BBFC-E1405CD115F8}" type="slidenum">
               <a:rPr lang="en-NL" smtClean="0"/>
-              <a:t>‹#›</a:t>
+              <a:t>‹nr.›</a:t>
             </a:fld>
             <a:endParaRPr lang="en-NL"/>
           </a:p>
@@ -2542,7 +2542,7 @@
           <a:p>
             <a:fld id="{C687B70A-7B5A-CD46-AB8A-22F48E5A62CC}" type="datetimeFigureOut">
               <a:rPr lang="en-NL" smtClean="0"/>
-              <a:t>22/10/2022</a:t>
+              <a:t>2/5/23</a:t>
             </a:fld>
             <a:endParaRPr lang="en-NL"/>
           </a:p>
@@ -2584,7 +2584,7 @@
           <a:p>
             <a:fld id="{7A1EAB66-1208-8D46-BBFC-E1405CD115F8}" type="slidenum">
               <a:rPr lang="en-NL" smtClean="0"/>
-              <a:t>‹#›</a:t>
+              <a:t>‹nr.›</a:t>
             </a:fld>
             <a:endParaRPr lang="en-NL"/>
           </a:p>
@@ -2786,7 +2786,7 @@
           <a:p>
             <a:fld id="{C687B70A-7B5A-CD46-AB8A-22F48E5A62CC}" type="datetimeFigureOut">
               <a:rPr lang="en-NL" smtClean="0"/>
-              <a:t>22/10/2022</a:t>
+              <a:t>2/5/23</a:t>
             </a:fld>
             <a:endParaRPr lang="en-NL"/>
           </a:p>
@@ -2828,7 +2828,7 @@
           <a:p>
             <a:fld id="{7A1EAB66-1208-8D46-BBFC-E1405CD115F8}" type="slidenum">
               <a:rPr lang="en-NL" smtClean="0"/>
-              <a:t>‹#›</a:t>
+              <a:t>‹nr.›</a:t>
             </a:fld>
             <a:endParaRPr lang="en-NL"/>
           </a:p>
@@ -3018,7 +3018,7 @@
           <a:p>
             <a:fld id="{C687B70A-7B5A-CD46-AB8A-22F48E5A62CC}" type="datetimeFigureOut">
               <a:rPr lang="en-NL" smtClean="0"/>
-              <a:t>22/10/2022</a:t>
+              <a:t>2/5/23</a:t>
             </a:fld>
             <a:endParaRPr lang="en-NL"/>
           </a:p>
@@ -3060,7 +3060,7 @@
           <a:p>
             <a:fld id="{7A1EAB66-1208-8D46-BBFC-E1405CD115F8}" type="slidenum">
               <a:rPr lang="en-NL" smtClean="0"/>
-              <a:t>‹#›</a:t>
+              <a:t>‹nr.›</a:t>
             </a:fld>
             <a:endParaRPr lang="en-NL"/>
           </a:p>
@@ -3385,7 +3385,7 @@
           <a:p>
             <a:fld id="{C687B70A-7B5A-CD46-AB8A-22F48E5A62CC}" type="datetimeFigureOut">
               <a:rPr lang="en-NL" smtClean="0"/>
-              <a:t>22/10/2022</a:t>
+              <a:t>2/5/23</a:t>
             </a:fld>
             <a:endParaRPr lang="en-NL"/>
           </a:p>
@@ -3427,7 +3427,7 @@
           <a:p>
             <a:fld id="{7A1EAB66-1208-8D46-BBFC-E1405CD115F8}" type="slidenum">
               <a:rPr lang="en-NL" smtClean="0"/>
-              <a:t>‹#›</a:t>
+              <a:t>‹nr.›</a:t>
             </a:fld>
             <a:endParaRPr lang="en-NL"/>
           </a:p>
@@ -3503,7 +3503,7 @@
           <a:p>
             <a:fld id="{C687B70A-7B5A-CD46-AB8A-22F48E5A62CC}" type="datetimeFigureOut">
               <a:rPr lang="en-NL" smtClean="0"/>
-              <a:t>22/10/2022</a:t>
+              <a:t>2/5/23</a:t>
             </a:fld>
             <a:endParaRPr lang="en-NL"/>
           </a:p>
@@ -3545,7 +3545,7 @@
           <a:p>
             <a:fld id="{7A1EAB66-1208-8D46-BBFC-E1405CD115F8}" type="slidenum">
               <a:rPr lang="en-NL" smtClean="0"/>
-              <a:t>‹#›</a:t>
+              <a:t>‹nr.›</a:t>
             </a:fld>
             <a:endParaRPr lang="en-NL"/>
           </a:p>
@@ -3598,7 +3598,7 @@
           <a:p>
             <a:fld id="{C687B70A-7B5A-CD46-AB8A-22F48E5A62CC}" type="datetimeFigureOut">
               <a:rPr lang="en-NL" smtClean="0"/>
-              <a:t>22/10/2022</a:t>
+              <a:t>2/5/23</a:t>
             </a:fld>
             <a:endParaRPr lang="en-NL"/>
           </a:p>
@@ -3640,7 +3640,7 @@
           <a:p>
             <a:fld id="{7A1EAB66-1208-8D46-BBFC-E1405CD115F8}" type="slidenum">
               <a:rPr lang="en-NL" smtClean="0"/>
-              <a:t>‹#›</a:t>
+              <a:t>‹nr.›</a:t>
             </a:fld>
             <a:endParaRPr lang="en-NL"/>
           </a:p>
@@ -3875,7 +3875,7 @@
           <a:p>
             <a:fld id="{C687B70A-7B5A-CD46-AB8A-22F48E5A62CC}" type="datetimeFigureOut">
               <a:rPr lang="en-NL" smtClean="0"/>
-              <a:t>22/10/2022</a:t>
+              <a:t>2/5/23</a:t>
             </a:fld>
             <a:endParaRPr lang="en-NL"/>
           </a:p>
@@ -3917,7 +3917,7 @@
           <a:p>
             <a:fld id="{7A1EAB66-1208-8D46-BBFC-E1405CD115F8}" type="slidenum">
               <a:rPr lang="en-NL" smtClean="0"/>
-              <a:t>‹#›</a:t>
+              <a:t>‹nr.›</a:t>
             </a:fld>
             <a:endParaRPr lang="en-NL"/>
           </a:p>
@@ -4132,7 +4132,7 @@
           <a:p>
             <a:fld id="{C687B70A-7B5A-CD46-AB8A-22F48E5A62CC}" type="datetimeFigureOut">
               <a:rPr lang="en-NL" smtClean="0"/>
-              <a:t>22/10/2022</a:t>
+              <a:t>2/5/23</a:t>
             </a:fld>
             <a:endParaRPr lang="en-NL"/>
           </a:p>
@@ -4174,7 +4174,7 @@
           <a:p>
             <a:fld id="{7A1EAB66-1208-8D46-BBFC-E1405CD115F8}" type="slidenum">
               <a:rPr lang="en-NL" smtClean="0"/>
-              <a:t>‹#›</a:t>
+              <a:t>‹nr.›</a:t>
             </a:fld>
             <a:endParaRPr lang="en-NL"/>
           </a:p>
@@ -4345,7 +4345,7 @@
           <a:p>
             <a:fld id="{C687B70A-7B5A-CD46-AB8A-22F48E5A62CC}" type="datetimeFigureOut">
               <a:rPr lang="en-NL" smtClean="0"/>
-              <a:t>22/10/2022</a:t>
+              <a:t>2/5/23</a:t>
             </a:fld>
             <a:endParaRPr lang="en-NL"/>
           </a:p>
@@ -4423,7 +4423,7 @@
           <a:p>
             <a:fld id="{7A1EAB66-1208-8D46-BBFC-E1405CD115F8}" type="slidenum">
               <a:rPr lang="en-NL" smtClean="0"/>
-              <a:t>‹#›</a:t>
+              <a:t>‹nr.›</a:t>
             </a:fld>
             <a:endParaRPr lang="en-NL"/>
           </a:p>
@@ -4764,7 +4764,7 @@
         </p:nvSpPr>
         <p:spPr>
           <a:xfrm>
-            <a:off x="-1" y="208935"/>
+            <a:off x="-1" y="0"/>
             <a:ext cx="7559675" cy="5327650"/>
           </a:xfrm>
           <a:prstGeom prst="roundRect">
